--- a/Euripedes Simões de Paula/Gestão de Conteúdo WEB II/Aula 1/Redes Sociais.pptx
+++ b/Euripedes Simões de Paula/Gestão de Conteúdo WEB II/Aula 1/Redes Sociais.pptx
@@ -14,6 +14,11 @@
     <p:sldId id="262" r:id="rId8"/>
     <p:sldId id="263" r:id="rId9"/>
     <p:sldId id="264" r:id="rId10"/>
+    <p:sldId id="265" r:id="rId11"/>
+    <p:sldId id="266" r:id="rId12"/>
+    <p:sldId id="267" r:id="rId13"/>
+    <p:sldId id="268" r:id="rId14"/>
+    <p:sldId id="269" r:id="rId15"/>
   </p:sldIdLst>
   <p:sldSz cx="12192000" cy="6858000"/>
   <p:notesSz cx="6858000" cy="9144000"/>
@@ -112,6 +117,11 @@
       </a:defRPr>
     </a:lvl9pPr>
   </p:defaultTextStyle>
+  <p:extLst>
+    <p:ext uri="{EFAFB233-063F-42B5-8137-9DF3F51BA10A}">
+      <p15:sldGuideLst xmlns:p15="http://schemas.microsoft.com/office/powerpoint/2012/main"/>
+    </p:ext>
+  </p:extLst>
 </p:presentation>
 </file>
 
@@ -341,7 +351,7 @@
           <a:p>
             <a:fld id="{6E7FBC82-F5FB-433B-977A-D0205F8D289B}" type="datetimeFigureOut">
               <a:rPr lang="pt-BR" smtClean="0"/>
-              <a:t>21/04/2024</a:t>
+              <a:t>22/04/2024</a:t>
             </a:fld>
             <a:endParaRPr lang="pt-BR"/>
           </a:p>
@@ -549,7 +559,7 @@
           <a:p>
             <a:fld id="{6E7FBC82-F5FB-433B-977A-D0205F8D289B}" type="datetimeFigureOut">
               <a:rPr lang="pt-BR" smtClean="0"/>
-              <a:t>21/04/2024</a:t>
+              <a:t>22/04/2024</a:t>
             </a:fld>
             <a:endParaRPr lang="pt-BR"/>
           </a:p>
@@ -805,7 +815,7 @@
           <a:p>
             <a:fld id="{6E7FBC82-F5FB-433B-977A-D0205F8D289B}" type="datetimeFigureOut">
               <a:rPr lang="pt-BR" smtClean="0"/>
-              <a:t>21/04/2024</a:t>
+              <a:t>22/04/2024</a:t>
             </a:fld>
             <a:endParaRPr lang="pt-BR"/>
           </a:p>
@@ -975,7 +985,7 @@
           <a:p>
             <a:fld id="{6E7FBC82-F5FB-433B-977A-D0205F8D289B}" type="datetimeFigureOut">
               <a:rPr lang="pt-BR" smtClean="0"/>
-              <a:t>21/04/2024</a:t>
+              <a:t>22/04/2024</a:t>
             </a:fld>
             <a:endParaRPr lang="pt-BR"/>
           </a:p>
@@ -1318,7 +1328,7 @@
           <a:p>
             <a:fld id="{6E7FBC82-F5FB-433B-977A-D0205F8D289B}" type="datetimeFigureOut">
               <a:rPr lang="pt-BR" smtClean="0"/>
-              <a:t>21/04/2024</a:t>
+              <a:t>22/04/2024</a:t>
             </a:fld>
             <a:endParaRPr lang="pt-BR"/>
           </a:p>
@@ -1593,7 +1603,7 @@
           <a:p>
             <a:fld id="{6E7FBC82-F5FB-433B-977A-D0205F8D289B}" type="datetimeFigureOut">
               <a:rPr lang="pt-BR" smtClean="0"/>
-              <a:t>21/04/2024</a:t>
+              <a:t>22/04/2024</a:t>
             </a:fld>
             <a:endParaRPr lang="pt-BR"/>
           </a:p>
@@ -1972,7 +1982,7 @@
           <a:p>
             <a:fld id="{6E7FBC82-F5FB-433B-977A-D0205F8D289B}" type="datetimeFigureOut">
               <a:rPr lang="pt-BR" smtClean="0"/>
-              <a:t>21/04/2024</a:t>
+              <a:t>22/04/2024</a:t>
             </a:fld>
             <a:endParaRPr lang="pt-BR"/>
           </a:p>
@@ -2090,7 +2100,7 @@
           <a:p>
             <a:fld id="{6E7FBC82-F5FB-433B-977A-D0205F8D289B}" type="datetimeFigureOut">
               <a:rPr lang="pt-BR" smtClean="0"/>
-              <a:t>21/04/2024</a:t>
+              <a:t>22/04/2024</a:t>
             </a:fld>
             <a:endParaRPr lang="pt-BR"/>
           </a:p>
@@ -2261,7 +2271,7 @@
           <a:p>
             <a:fld id="{6E7FBC82-F5FB-433B-977A-D0205F8D289B}" type="datetimeFigureOut">
               <a:rPr lang="pt-BR" smtClean="0"/>
-              <a:t>21/04/2024</a:t>
+              <a:t>22/04/2024</a:t>
             </a:fld>
             <a:endParaRPr lang="pt-BR"/>
           </a:p>
@@ -2615,7 +2625,7 @@
           <a:p>
             <a:fld id="{6E7FBC82-F5FB-433B-977A-D0205F8D289B}" type="datetimeFigureOut">
               <a:rPr lang="pt-BR" smtClean="0"/>
-              <a:t>21/04/2024</a:t>
+              <a:t>22/04/2024</a:t>
             </a:fld>
             <a:endParaRPr lang="pt-BR"/>
           </a:p>
@@ -2992,7 +3002,7 @@
           <a:p>
             <a:fld id="{6E7FBC82-F5FB-433B-977A-D0205F8D289B}" type="datetimeFigureOut">
               <a:rPr lang="pt-BR" smtClean="0"/>
-              <a:t>21/04/2024</a:t>
+              <a:t>22/04/2024</a:t>
             </a:fld>
             <a:endParaRPr lang="pt-BR"/>
           </a:p>
@@ -3279,7 +3289,7 @@
           <a:p>
             <a:fld id="{6E7FBC82-F5FB-433B-977A-D0205F8D289B}" type="datetimeFigureOut">
               <a:rPr lang="pt-BR" smtClean="0"/>
-              <a:t>21/04/2024</a:t>
+              <a:t>22/04/2024</a:t>
             </a:fld>
             <a:endParaRPr lang="pt-BR"/>
           </a:p>
@@ -3894,6 +3904,1114 @@
 </p:sld>
 </file>
 
+<file path=ppt/slides/slide10.xml><?xml version="1.0" encoding="utf-8"?>
+<p:sld xmlns:a="http://schemas.openxmlformats.org/drawingml/2006/main" xmlns:r="http://schemas.openxmlformats.org/officeDocument/2006/relationships" xmlns:p="http://schemas.openxmlformats.org/presentationml/2006/main">
+  <p:cSld>
+    <p:spTree>
+      <p:nvGrpSpPr>
+        <p:cNvPr id="1" name=""/>
+        <p:cNvGrpSpPr/>
+        <p:nvPr/>
+      </p:nvGrpSpPr>
+      <p:grpSpPr>
+        <a:xfrm>
+          <a:off x="0" y="0"/>
+          <a:ext cx="0" cy="0"/>
+          <a:chOff x="0" y="0"/>
+          <a:chExt cx="0" cy="0"/>
+        </a:xfrm>
+      </p:grpSpPr>
+      <p:sp>
+        <p:nvSpPr>
+          <p:cNvPr id="2" name="Título 1">
+            <a:extLst>
+              <a:ext uri="{FF2B5EF4-FFF2-40B4-BE49-F238E27FC236}">
+                <a16:creationId xmlns:a16="http://schemas.microsoft.com/office/drawing/2014/main" id="{737BC408-FEFF-436A-8D0E-F7F006298B4A}"/>
+              </a:ext>
+            </a:extLst>
+          </p:cNvPr>
+          <p:cNvSpPr>
+            <a:spLocks noGrp="1"/>
+          </p:cNvSpPr>
+          <p:nvPr>
+            <p:ph type="title"/>
+          </p:nvPr>
+        </p:nvSpPr>
+        <p:spPr/>
+        <p:txBody>
+          <a:bodyPr>
+            <a:normAutofit/>
+          </a:bodyPr>
+          <a:lstStyle/>
+          <a:p>
+            <a:r>
+              <a:rPr lang="pt-BR" sz="4000" i="1" dirty="0"/>
+              <a:t>MARKETING </a:t>
+            </a:r>
+            <a:r>
+              <a:rPr lang="pt-BR" sz="4000" dirty="0"/>
+              <a:t>E REDES SOCIAIS</a:t>
+            </a:r>
+          </a:p>
+        </p:txBody>
+      </p:sp>
+      <p:sp>
+        <p:nvSpPr>
+          <p:cNvPr id="3" name="Espaço Reservado para Conteúdo 2">
+            <a:extLst>
+              <a:ext uri="{FF2B5EF4-FFF2-40B4-BE49-F238E27FC236}">
+                <a16:creationId xmlns:a16="http://schemas.microsoft.com/office/drawing/2014/main" id="{8C815E92-F374-9BF6-D2C6-568142C9D7C3}"/>
+              </a:ext>
+            </a:extLst>
+          </p:cNvPr>
+          <p:cNvSpPr>
+            <a:spLocks noGrp="1"/>
+          </p:cNvSpPr>
+          <p:nvPr>
+            <p:ph idx="1"/>
+          </p:nvPr>
+        </p:nvSpPr>
+        <p:spPr>
+          <a:xfrm>
+            <a:off x="1066800" y="1766165"/>
+            <a:ext cx="10058400" cy="4023360"/>
+          </a:xfrm>
+        </p:spPr>
+        <p:txBody>
+          <a:bodyPr/>
+          <a:lstStyle/>
+          <a:p>
+            <a:r>
+              <a:rPr lang="pt-BR" dirty="0"/>
+              <a:t>Existem diversas tecnologias e plataformas que são usadas em estratégia de </a:t>
+            </a:r>
+            <a:r>
+              <a:rPr lang="pt-BR" i="1" dirty="0"/>
+              <a:t>marketing</a:t>
+            </a:r>
+            <a:r>
+              <a:rPr lang="pt-BR" dirty="0"/>
+              <a:t>. Diversos usuários no mundo usam estratégias digitais para combinar </a:t>
+            </a:r>
+            <a:r>
+              <a:rPr lang="pt-BR" i="1" dirty="0"/>
+              <a:t>sites</a:t>
+            </a:r>
+            <a:r>
+              <a:rPr lang="pt-BR" dirty="0"/>
+              <a:t>, </a:t>
+            </a:r>
+            <a:r>
+              <a:rPr lang="pt-BR" i="1" dirty="0"/>
+              <a:t>blogs</a:t>
+            </a:r>
+            <a:r>
+              <a:rPr lang="pt-BR" dirty="0"/>
+              <a:t> e redes sociais.</a:t>
+            </a:r>
+          </a:p>
+          <a:p>
+            <a:r>
+              <a:rPr lang="pt-BR" dirty="0"/>
+              <a:t>O objetivo do </a:t>
+            </a:r>
+            <a:r>
+              <a:rPr lang="pt-BR" i="1" dirty="0"/>
+              <a:t>marketing</a:t>
+            </a:r>
+            <a:r>
+              <a:rPr lang="pt-BR" dirty="0"/>
+              <a:t> é traçar estratégias que determinarão um conjunto de ações e utilizar plataformas digitais tradicionais.</a:t>
+            </a:r>
+          </a:p>
+          <a:p>
+            <a:endParaRPr lang="pt-BR" dirty="0"/>
+          </a:p>
+        </p:txBody>
+      </p:sp>
+    </p:spTree>
+    <p:extLst>
+      <p:ext uri="{BB962C8B-B14F-4D97-AF65-F5344CB8AC3E}">
+        <p14:creationId xmlns:p14="http://schemas.microsoft.com/office/powerpoint/2010/main" val="824981124"/>
+      </p:ext>
+    </p:extLst>
+  </p:cSld>
+  <p:clrMapOvr>
+    <a:masterClrMapping/>
+  </p:clrMapOvr>
+</p:sld>
+</file>
+
+<file path=ppt/slides/slide11.xml><?xml version="1.0" encoding="utf-8"?>
+<p:sld xmlns:a="http://schemas.openxmlformats.org/drawingml/2006/main" xmlns:r="http://schemas.openxmlformats.org/officeDocument/2006/relationships" xmlns:p="http://schemas.openxmlformats.org/presentationml/2006/main">
+  <p:cSld>
+    <p:spTree>
+      <p:nvGrpSpPr>
+        <p:cNvPr id="1" name=""/>
+        <p:cNvGrpSpPr/>
+        <p:nvPr/>
+      </p:nvGrpSpPr>
+      <p:grpSpPr>
+        <a:xfrm>
+          <a:off x="0" y="0"/>
+          <a:ext cx="0" cy="0"/>
+          <a:chOff x="0" y="0"/>
+          <a:chExt cx="0" cy="0"/>
+        </a:xfrm>
+      </p:grpSpPr>
+      <p:sp>
+        <p:nvSpPr>
+          <p:cNvPr id="2" name="Título 1">
+            <a:extLst>
+              <a:ext uri="{FF2B5EF4-FFF2-40B4-BE49-F238E27FC236}">
+                <a16:creationId xmlns:a16="http://schemas.microsoft.com/office/drawing/2014/main" id="{737BC408-FEFF-436A-8D0E-F7F006298B4A}"/>
+              </a:ext>
+            </a:extLst>
+          </p:cNvPr>
+          <p:cNvSpPr>
+            <a:spLocks noGrp="1"/>
+          </p:cNvSpPr>
+          <p:nvPr>
+            <p:ph type="title"/>
+          </p:nvPr>
+        </p:nvSpPr>
+        <p:spPr/>
+        <p:txBody>
+          <a:bodyPr>
+            <a:normAutofit/>
+          </a:bodyPr>
+          <a:lstStyle/>
+          <a:p>
+            <a:r>
+              <a:rPr lang="pt-BR" sz="4000" i="1" dirty="0"/>
+              <a:t>MARKETING </a:t>
+            </a:r>
+            <a:r>
+              <a:rPr lang="pt-BR" sz="4000" dirty="0"/>
+              <a:t>E REDES SOCIAIS</a:t>
+            </a:r>
+          </a:p>
+        </p:txBody>
+      </p:sp>
+      <p:sp>
+        <p:nvSpPr>
+          <p:cNvPr id="3" name="Espaço Reservado para Conteúdo 2">
+            <a:extLst>
+              <a:ext uri="{FF2B5EF4-FFF2-40B4-BE49-F238E27FC236}">
+                <a16:creationId xmlns:a16="http://schemas.microsoft.com/office/drawing/2014/main" id="{8C815E92-F374-9BF6-D2C6-568142C9D7C3}"/>
+              </a:ext>
+            </a:extLst>
+          </p:cNvPr>
+          <p:cNvSpPr>
+            <a:spLocks noGrp="1"/>
+          </p:cNvSpPr>
+          <p:nvPr>
+            <p:ph idx="1"/>
+          </p:nvPr>
+        </p:nvSpPr>
+        <p:spPr>
+          <a:xfrm>
+            <a:off x="1066800" y="1766165"/>
+            <a:ext cx="10058400" cy="4023360"/>
+          </a:xfrm>
+        </p:spPr>
+        <p:txBody>
+          <a:bodyPr/>
+          <a:lstStyle/>
+          <a:p>
+            <a:r>
+              <a:rPr lang="pt-BR" dirty="0"/>
+              <a:t>As mídias sociais possuem diferenças entre as mídias digitais tradicionais, veja o quadro abaixo.</a:t>
+            </a:r>
+          </a:p>
+          <a:p>
+            <a:endParaRPr lang="pt-BR" dirty="0"/>
+          </a:p>
+        </p:txBody>
+      </p:sp>
+      <p:graphicFrame>
+        <p:nvGraphicFramePr>
+          <p:cNvPr id="4" name="Tabela 3">
+            <a:extLst>
+              <a:ext uri="{FF2B5EF4-FFF2-40B4-BE49-F238E27FC236}">
+                <a16:creationId xmlns:a16="http://schemas.microsoft.com/office/drawing/2014/main" id="{CAD553A1-FA58-DFB1-0B25-110AFED381CA}"/>
+              </a:ext>
+            </a:extLst>
+          </p:cNvPr>
+          <p:cNvGraphicFramePr>
+            <a:graphicFrameLocks noGrp="1"/>
+          </p:cNvGraphicFramePr>
+          <p:nvPr>
+            <p:extLst>
+              <p:ext uri="{D42A27DB-BD31-4B8C-83A1-F6EECF244321}">
+                <p14:modId xmlns:p14="http://schemas.microsoft.com/office/powerpoint/2010/main" val="3028493882"/>
+              </p:ext>
+            </p:extLst>
+          </p:nvPr>
+        </p:nvGraphicFramePr>
+        <p:xfrm>
+          <a:off x="421341" y="2112470"/>
+          <a:ext cx="11349318" cy="4239559"/>
+        </p:xfrm>
+        <a:graphic>
+          <a:graphicData uri="http://schemas.openxmlformats.org/drawingml/2006/table">
+            <a:tbl>
+              <a:tblPr firstRow="1" bandRow="1">
+                <a:tableStyleId>{5940675A-B579-460E-94D1-54222C63F5DA}</a:tableStyleId>
+              </a:tblPr>
+              <a:tblGrid>
+                <a:gridCol w="1317812">
+                  <a:extLst>
+                    <a:ext uri="{9D8B030D-6E8A-4147-A177-3AD203B41FA5}">
+                      <a16:colId xmlns:a16="http://schemas.microsoft.com/office/drawing/2014/main" val="1668312530"/>
+                    </a:ext>
+                  </a:extLst>
+                </a:gridCol>
+                <a:gridCol w="4069976">
+                  <a:extLst>
+                    <a:ext uri="{9D8B030D-6E8A-4147-A177-3AD203B41FA5}">
+                      <a16:colId xmlns:a16="http://schemas.microsoft.com/office/drawing/2014/main" val="3821679730"/>
+                    </a:ext>
+                  </a:extLst>
+                </a:gridCol>
+                <a:gridCol w="5961530">
+                  <a:extLst>
+                    <a:ext uri="{9D8B030D-6E8A-4147-A177-3AD203B41FA5}">
+                      <a16:colId xmlns:a16="http://schemas.microsoft.com/office/drawing/2014/main" val="2969455027"/>
+                    </a:ext>
+                  </a:extLst>
+                </a:gridCol>
+              </a:tblGrid>
+              <a:tr h="342814">
+                <a:tc>
+                  <a:txBody>
+                    <a:bodyPr/>
+                    <a:lstStyle/>
+                    <a:p>
+                      <a:pPr algn="just"/>
+                      <a:r>
+                        <a:rPr lang="pt-BR" sz="1800" b="1" dirty="0"/>
+                        <a:t>Fator</a:t>
+                      </a:r>
+                    </a:p>
+                  </a:txBody>
+                  <a:tcPr>
+                    <a:solidFill>
+                      <a:schemeClr val="bg1">
+                        <a:lumMod val="75000"/>
+                      </a:schemeClr>
+                    </a:solidFill>
+                  </a:tcPr>
+                </a:tc>
+                <a:tc>
+                  <a:txBody>
+                    <a:bodyPr/>
+                    <a:lstStyle/>
+                    <a:p>
+                      <a:pPr algn="just"/>
+                      <a:r>
+                        <a:rPr lang="pt-BR" sz="1800" b="1" dirty="0"/>
+                        <a:t>Mídias de massa</a:t>
+                      </a:r>
+                    </a:p>
+                  </a:txBody>
+                  <a:tcPr>
+                    <a:solidFill>
+                      <a:schemeClr val="bg1">
+                        <a:lumMod val="75000"/>
+                      </a:schemeClr>
+                    </a:solidFill>
+                  </a:tcPr>
+                </a:tc>
+                <a:tc>
+                  <a:txBody>
+                    <a:bodyPr/>
+                    <a:lstStyle/>
+                    <a:p>
+                      <a:pPr algn="just"/>
+                      <a:r>
+                        <a:rPr lang="pt-BR" sz="1800" b="1" dirty="0"/>
+                        <a:t>Mídias sociais</a:t>
+                      </a:r>
+                    </a:p>
+                  </a:txBody>
+                  <a:tcPr>
+                    <a:solidFill>
+                      <a:schemeClr val="bg1">
+                        <a:lumMod val="75000"/>
+                      </a:schemeClr>
+                    </a:solidFill>
+                  </a:tcPr>
+                </a:tc>
+                <a:extLst>
+                  <a:ext uri="{0D108BD9-81ED-4DB2-BD59-A6C34878D82A}">
+                    <a16:rowId xmlns:a16="http://schemas.microsoft.com/office/drawing/2014/main" val="702099989"/>
+                  </a:ext>
+                </a:extLst>
+              </a:tr>
+              <a:tr h="822754">
+                <a:tc>
+                  <a:txBody>
+                    <a:bodyPr/>
+                    <a:lstStyle/>
+                    <a:p>
+                      <a:pPr algn="just"/>
+                      <a:r>
+                        <a:rPr lang="pt-BR" sz="1400" b="1" dirty="0"/>
+                        <a:t>alcance</a:t>
+                      </a:r>
+                    </a:p>
+                  </a:txBody>
+                  <a:tcPr/>
+                </a:tc>
+                <a:tc>
+                  <a:txBody>
+                    <a:bodyPr/>
+                    <a:lstStyle/>
+                    <a:p>
+                      <a:pPr algn="just"/>
+                      <a:r>
+                        <a:rPr lang="pt-BR" sz="1400" dirty="0"/>
+                        <a:t>Possuem escala e capacidade para alcançar uma plateia global, baseada em uma estrutura centralizada.</a:t>
+                      </a:r>
+                    </a:p>
+                  </a:txBody>
+                  <a:tcPr/>
+                </a:tc>
+                <a:tc>
+                  <a:txBody>
+                    <a:bodyPr/>
+                    <a:lstStyle/>
+                    <a:p>
+                      <a:pPr algn="just"/>
+                      <a:r>
+                        <a:rPr lang="pt-BR" sz="1400" dirty="0"/>
+                        <a:t>Como as mídias de massa, possuem escala e capacidade para alcançar uma plateia global, mas de forma descentralizada, menos hierárquica e diversa, devido à multiplicidade de pontos de produção e distribuição de conteúdo.</a:t>
+                      </a:r>
+                    </a:p>
+                  </a:txBody>
+                  <a:tcPr/>
+                </a:tc>
+                <a:extLst>
+                  <a:ext uri="{0D108BD9-81ED-4DB2-BD59-A6C34878D82A}">
+                    <a16:rowId xmlns:a16="http://schemas.microsoft.com/office/drawing/2014/main" val="116852156"/>
+                  </a:ext>
+                </a:extLst>
+              </a:tr>
+              <a:tr h="822754">
+                <a:tc>
+                  <a:txBody>
+                    <a:bodyPr/>
+                    <a:lstStyle/>
+                    <a:p>
+                      <a:pPr algn="just"/>
+                      <a:r>
+                        <a:rPr lang="pt-BR" sz="1400" b="1" dirty="0"/>
+                        <a:t>Acessibilidade</a:t>
+                      </a:r>
+                    </a:p>
+                  </a:txBody>
+                  <a:tcPr/>
+                </a:tc>
+                <a:tc>
+                  <a:txBody>
+                    <a:bodyPr/>
+                    <a:lstStyle/>
+                    <a:p>
+                      <a:pPr algn="just"/>
+                      <a:r>
+                        <a:rPr lang="pt-BR" sz="1400" dirty="0"/>
+                        <a:t>Sua produção e sua divulgação dependem de recursos onerosos, sendo reservadas a grandes empresas e governos. </a:t>
+                      </a:r>
+                    </a:p>
+                  </a:txBody>
+                  <a:tcPr/>
+                </a:tc>
+                <a:tc>
+                  <a:txBody>
+                    <a:bodyPr/>
+                    <a:lstStyle/>
+                    <a:p>
+                      <a:pPr algn="just"/>
+                      <a:r>
+                        <a:rPr lang="pt-BR" sz="1400" dirty="0"/>
+                        <a:t>Devido ao seu baixo valor de produção de conteúdo, aglutinam uma quantidade de geradores limitados a fatores de interesse pessoais, tecnológicos e intelectuais.</a:t>
+                      </a:r>
+                    </a:p>
+                  </a:txBody>
+                  <a:tcPr/>
+                </a:tc>
+                <a:extLst>
+                  <a:ext uri="{0D108BD9-81ED-4DB2-BD59-A6C34878D82A}">
+                    <a16:rowId xmlns:a16="http://schemas.microsoft.com/office/drawing/2014/main" val="1273060054"/>
+                  </a:ext>
+                </a:extLst>
+              </a:tr>
+              <a:tr h="582784">
+                <a:tc>
+                  <a:txBody>
+                    <a:bodyPr/>
+                    <a:lstStyle/>
+                    <a:p>
+                      <a:pPr algn="just"/>
+                      <a:r>
+                        <a:rPr lang="pt-BR" sz="1400" b="1" dirty="0"/>
+                        <a:t>Usabilidade</a:t>
+                      </a:r>
+                    </a:p>
+                  </a:txBody>
+                  <a:tcPr/>
+                </a:tc>
+                <a:tc>
+                  <a:txBody>
+                    <a:bodyPr/>
+                    <a:lstStyle/>
+                    <a:p>
+                      <a:pPr algn="just"/>
+                      <a:r>
+                        <a:rPr lang="pt-BR" sz="1400" dirty="0"/>
+                        <a:t>Requerem conhecimentos e habilidades especializadas, com elevados custos de capacitação</a:t>
+                      </a:r>
+                    </a:p>
+                  </a:txBody>
+                  <a:tcPr/>
+                </a:tc>
+                <a:tc>
+                  <a:txBody>
+                    <a:bodyPr/>
+                    <a:lstStyle/>
+                    <a:p>
+                      <a:pPr algn="just"/>
+                      <a:r>
+                        <a:rPr lang="pt-BR" sz="1400" dirty="0"/>
+                        <a:t>Exigem habilidades cotidianas de acesso a conteúdo digital, com pouca necessidade de treinamento para interação.</a:t>
+                      </a:r>
+                    </a:p>
+                  </a:txBody>
+                  <a:tcPr/>
+                </a:tc>
+                <a:extLst>
+                  <a:ext uri="{0D108BD9-81ED-4DB2-BD59-A6C34878D82A}">
+                    <a16:rowId xmlns:a16="http://schemas.microsoft.com/office/drawing/2014/main" val="723333536"/>
+                  </a:ext>
+                </a:extLst>
+              </a:tr>
+              <a:tr h="1062723">
+                <a:tc>
+                  <a:txBody>
+                    <a:bodyPr/>
+                    <a:lstStyle/>
+                    <a:p>
+                      <a:pPr algn="just"/>
+                      <a:r>
+                        <a:rPr lang="pt-BR" sz="1400" b="1" dirty="0"/>
+                        <a:t>Imediatismo</a:t>
+                      </a:r>
+                    </a:p>
+                  </a:txBody>
+                  <a:tcPr/>
+                </a:tc>
+                <a:tc>
+                  <a:txBody>
+                    <a:bodyPr/>
+                    <a:lstStyle/>
+                    <a:p>
+                      <a:pPr algn="just"/>
+                      <a:r>
+                        <a:rPr lang="pt-BR" sz="1400" dirty="0"/>
+                        <a:t>A lacuna temporal entre conceituação, produção e distribuição é longa. A apropriação de características das mídias sociais aponta para uma tendência de redução de tempo.</a:t>
+                      </a:r>
+                    </a:p>
+                  </a:txBody>
+                  <a:tcPr/>
+                </a:tc>
+                <a:tc>
+                  <a:txBody>
+                    <a:bodyPr/>
+                    <a:lstStyle/>
+                    <a:p>
+                      <a:pPr algn="just"/>
+                      <a:r>
+                        <a:rPr lang="pt-BR" sz="1400" dirty="0"/>
+                        <a:t>Virtualmente instantâneas.</a:t>
+                      </a:r>
+                    </a:p>
+                  </a:txBody>
+                  <a:tcPr/>
+                </a:tc>
+                <a:extLst>
+                  <a:ext uri="{0D108BD9-81ED-4DB2-BD59-A6C34878D82A}">
+                    <a16:rowId xmlns:a16="http://schemas.microsoft.com/office/drawing/2014/main" val="2595511021"/>
+                  </a:ext>
+                </a:extLst>
+              </a:tr>
+              <a:tr h="582784">
+                <a:tc>
+                  <a:txBody>
+                    <a:bodyPr/>
+                    <a:lstStyle/>
+                    <a:p>
+                      <a:pPr algn="just"/>
+                      <a:r>
+                        <a:rPr lang="pt-BR" sz="1400" b="1" dirty="0"/>
+                        <a:t>Permanência</a:t>
+                      </a:r>
+                    </a:p>
+                  </a:txBody>
+                  <a:tcPr/>
+                </a:tc>
+                <a:tc>
+                  <a:txBody>
+                    <a:bodyPr/>
+                    <a:lstStyle/>
+                    <a:p>
+                      <a:pPr algn="just"/>
+                      <a:r>
+                        <a:rPr lang="pt-BR" sz="1400" dirty="0"/>
+                        <a:t>Uma vez distribuído o conteúdo, ele é de impossível edição/alteração.</a:t>
+                      </a:r>
+                    </a:p>
+                  </a:txBody>
+                  <a:tcPr/>
+                </a:tc>
+                <a:tc>
+                  <a:txBody>
+                    <a:bodyPr/>
+                    <a:lstStyle/>
+                    <a:p>
+                      <a:pPr algn="just"/>
+                      <a:r>
+                        <a:rPr lang="pt-BR" sz="1400" dirty="0"/>
+                        <a:t>O conteúdo pode ser editado instantaneamente e sem necessidade de aprovação do seu detentor.</a:t>
+                      </a:r>
+                    </a:p>
+                  </a:txBody>
+                  <a:tcPr/>
+                </a:tc>
+                <a:extLst>
+                  <a:ext uri="{0D108BD9-81ED-4DB2-BD59-A6C34878D82A}">
+                    <a16:rowId xmlns:a16="http://schemas.microsoft.com/office/drawing/2014/main" val="865916813"/>
+                  </a:ext>
+                </a:extLst>
+              </a:tr>
+            </a:tbl>
+          </a:graphicData>
+        </a:graphic>
+      </p:graphicFrame>
+    </p:spTree>
+    <p:extLst>
+      <p:ext uri="{BB962C8B-B14F-4D97-AF65-F5344CB8AC3E}">
+        <p14:creationId xmlns:p14="http://schemas.microsoft.com/office/powerpoint/2010/main" val="1294188566"/>
+      </p:ext>
+    </p:extLst>
+  </p:cSld>
+  <p:clrMapOvr>
+    <a:masterClrMapping/>
+  </p:clrMapOvr>
+</p:sld>
+</file>
+
+<file path=ppt/slides/slide12.xml><?xml version="1.0" encoding="utf-8"?>
+<p:sld xmlns:a="http://schemas.openxmlformats.org/drawingml/2006/main" xmlns:r="http://schemas.openxmlformats.org/officeDocument/2006/relationships" xmlns:p="http://schemas.openxmlformats.org/presentationml/2006/main">
+  <p:cSld>
+    <p:spTree>
+      <p:nvGrpSpPr>
+        <p:cNvPr id="1" name=""/>
+        <p:cNvGrpSpPr/>
+        <p:nvPr/>
+      </p:nvGrpSpPr>
+      <p:grpSpPr>
+        <a:xfrm>
+          <a:off x="0" y="0"/>
+          <a:ext cx="0" cy="0"/>
+          <a:chOff x="0" y="0"/>
+          <a:chExt cx="0" cy="0"/>
+        </a:xfrm>
+      </p:grpSpPr>
+      <p:sp>
+        <p:nvSpPr>
+          <p:cNvPr id="2" name="Título 1">
+            <a:extLst>
+              <a:ext uri="{FF2B5EF4-FFF2-40B4-BE49-F238E27FC236}">
+                <a16:creationId xmlns:a16="http://schemas.microsoft.com/office/drawing/2014/main" id="{737BC408-FEFF-436A-8D0E-F7F006298B4A}"/>
+              </a:ext>
+            </a:extLst>
+          </p:cNvPr>
+          <p:cNvSpPr>
+            <a:spLocks noGrp="1"/>
+          </p:cNvSpPr>
+          <p:nvPr>
+            <p:ph type="title"/>
+          </p:nvPr>
+        </p:nvSpPr>
+        <p:spPr/>
+        <p:txBody>
+          <a:bodyPr>
+            <a:normAutofit/>
+          </a:bodyPr>
+          <a:lstStyle/>
+          <a:p>
+            <a:r>
+              <a:rPr lang="pt-BR" sz="4000" i="1" dirty="0"/>
+              <a:t>MARKETING </a:t>
+            </a:r>
+            <a:r>
+              <a:rPr lang="pt-BR" sz="4000" dirty="0"/>
+              <a:t>E REDES SOCIAIS</a:t>
+            </a:r>
+          </a:p>
+        </p:txBody>
+      </p:sp>
+      <p:sp>
+        <p:nvSpPr>
+          <p:cNvPr id="3" name="Espaço Reservado para Conteúdo 2">
+            <a:extLst>
+              <a:ext uri="{FF2B5EF4-FFF2-40B4-BE49-F238E27FC236}">
+                <a16:creationId xmlns:a16="http://schemas.microsoft.com/office/drawing/2014/main" id="{8C815E92-F374-9BF6-D2C6-568142C9D7C3}"/>
+              </a:ext>
+            </a:extLst>
+          </p:cNvPr>
+          <p:cNvSpPr>
+            <a:spLocks noGrp="1"/>
+          </p:cNvSpPr>
+          <p:nvPr>
+            <p:ph idx="1"/>
+          </p:nvPr>
+        </p:nvSpPr>
+        <p:spPr>
+          <a:xfrm>
+            <a:off x="1066800" y="1766165"/>
+            <a:ext cx="10058400" cy="4023360"/>
+          </a:xfrm>
+        </p:spPr>
+        <p:txBody>
+          <a:bodyPr/>
+          <a:lstStyle/>
+          <a:p>
+            <a:r>
+              <a:rPr lang="pt-BR" dirty="0"/>
+              <a:t>Para estratégias focadas em mídias sociais, é importante que as técnicas tenham significado e dimensão baseada na palavra “social”, já que envolvem pessoas e é possível criar algum engajamento.</a:t>
+            </a:r>
+          </a:p>
+          <a:p>
+            <a:r>
+              <a:rPr lang="pt-BR" dirty="0"/>
+              <a:t>Os usuários se dividem em:</a:t>
+            </a:r>
+          </a:p>
+          <a:p>
+            <a:pPr lvl="1"/>
+            <a:r>
+              <a:rPr lang="pt-BR" b="1" dirty="0"/>
+              <a:t>Usuários que assistem</a:t>
+            </a:r>
+            <a:r>
+              <a:rPr lang="pt-BR" dirty="0"/>
+              <a:t>: apensas consomem conteúdo (ler ou assistir);</a:t>
+            </a:r>
+          </a:p>
+          <a:p>
+            <a:pPr lvl="1"/>
+            <a:r>
+              <a:rPr lang="pt-BR" b="1" dirty="0"/>
+              <a:t>Usuários que compartilham</a:t>
+            </a:r>
+            <a:r>
+              <a:rPr lang="pt-BR" dirty="0"/>
+              <a:t>: atualizam perfis em redes sociais com fotos, vídeos e artigos;</a:t>
+            </a:r>
+          </a:p>
+          <a:p>
+            <a:pPr lvl="1"/>
+            <a:r>
+              <a:rPr lang="pt-BR" b="1" dirty="0"/>
+              <a:t>Usuários que comentam</a:t>
+            </a:r>
+            <a:r>
+              <a:rPr lang="pt-BR" dirty="0"/>
+              <a:t>: comentam e respondem comentários em publicações.</a:t>
+            </a:r>
+          </a:p>
+          <a:p>
+            <a:pPr lvl="1"/>
+            <a:r>
+              <a:rPr lang="pt-BR" b="1" dirty="0"/>
+              <a:t>Usuários que produzem</a:t>
+            </a:r>
+            <a:r>
+              <a:rPr lang="pt-BR" dirty="0"/>
+              <a:t>: criam e publicam conteúdo em </a:t>
+            </a:r>
+            <a:r>
+              <a:rPr lang="pt-BR" i="1" dirty="0"/>
+              <a:t>sites</a:t>
+            </a:r>
+            <a:r>
+              <a:rPr lang="pt-BR" dirty="0"/>
+              <a:t>, </a:t>
+            </a:r>
+            <a:r>
+              <a:rPr lang="pt-BR" i="1" dirty="0"/>
+              <a:t>blogs </a:t>
+            </a:r>
+            <a:r>
+              <a:rPr lang="pt-BR" dirty="0"/>
+              <a:t>ou </a:t>
+            </a:r>
+            <a:r>
+              <a:rPr lang="pt-BR" i="1" dirty="0"/>
+              <a:t>podcasts;</a:t>
+            </a:r>
+          </a:p>
+          <a:p>
+            <a:pPr lvl="1"/>
+            <a:r>
+              <a:rPr lang="pt-BR" b="1" dirty="0"/>
+              <a:t>Usuários que fazem curadoria</a:t>
+            </a:r>
+            <a:r>
+              <a:rPr lang="pt-BR" dirty="0"/>
+              <a:t>: envolvidas em comunidades </a:t>
+            </a:r>
+            <a:r>
+              <a:rPr lang="pt-BR" i="1" dirty="0"/>
+              <a:t>on-line</a:t>
+            </a:r>
+            <a:r>
+              <a:rPr lang="pt-BR" dirty="0"/>
+              <a:t>, como páginas de fãs ou fóruns de discussão.</a:t>
+            </a:r>
+            <a:endParaRPr lang="pt-BR" b="1" dirty="0"/>
+          </a:p>
+          <a:p>
+            <a:endParaRPr lang="pt-BR" dirty="0"/>
+          </a:p>
+        </p:txBody>
+      </p:sp>
+    </p:spTree>
+    <p:extLst>
+      <p:ext uri="{BB962C8B-B14F-4D97-AF65-F5344CB8AC3E}">
+        <p14:creationId xmlns:p14="http://schemas.microsoft.com/office/powerpoint/2010/main" val="1145452565"/>
+      </p:ext>
+    </p:extLst>
+  </p:cSld>
+  <p:clrMapOvr>
+    <a:masterClrMapping/>
+  </p:clrMapOvr>
+</p:sld>
+</file>
+
+<file path=ppt/slides/slide13.xml><?xml version="1.0" encoding="utf-8"?>
+<p:sld xmlns:a="http://schemas.openxmlformats.org/drawingml/2006/main" xmlns:r="http://schemas.openxmlformats.org/officeDocument/2006/relationships" xmlns:p="http://schemas.openxmlformats.org/presentationml/2006/main">
+  <p:cSld>
+    <p:spTree>
+      <p:nvGrpSpPr>
+        <p:cNvPr id="1" name=""/>
+        <p:cNvGrpSpPr/>
+        <p:nvPr/>
+      </p:nvGrpSpPr>
+      <p:grpSpPr>
+        <a:xfrm>
+          <a:off x="0" y="0"/>
+          <a:ext cx="0" cy="0"/>
+          <a:chOff x="0" y="0"/>
+          <a:chExt cx="0" cy="0"/>
+        </a:xfrm>
+      </p:grpSpPr>
+      <p:sp>
+        <p:nvSpPr>
+          <p:cNvPr id="2" name="Título 1">
+            <a:extLst>
+              <a:ext uri="{FF2B5EF4-FFF2-40B4-BE49-F238E27FC236}">
+                <a16:creationId xmlns:a16="http://schemas.microsoft.com/office/drawing/2014/main" id="{737BC408-FEFF-436A-8D0E-F7F006298B4A}"/>
+              </a:ext>
+            </a:extLst>
+          </p:cNvPr>
+          <p:cNvSpPr>
+            <a:spLocks noGrp="1"/>
+          </p:cNvSpPr>
+          <p:nvPr>
+            <p:ph type="title"/>
+          </p:nvPr>
+        </p:nvSpPr>
+        <p:spPr/>
+        <p:txBody>
+          <a:bodyPr>
+            <a:normAutofit/>
+          </a:bodyPr>
+          <a:lstStyle/>
+          <a:p>
+            <a:r>
+              <a:rPr lang="pt-BR" sz="4000" i="1" dirty="0"/>
+              <a:t>MARKETING </a:t>
+            </a:r>
+            <a:r>
+              <a:rPr lang="pt-BR" sz="4000" dirty="0"/>
+              <a:t>E REDES SOCIAIS</a:t>
+            </a:r>
+          </a:p>
+        </p:txBody>
+      </p:sp>
+      <p:sp>
+        <p:nvSpPr>
+          <p:cNvPr id="3" name="Espaço Reservado para Conteúdo 2">
+            <a:extLst>
+              <a:ext uri="{FF2B5EF4-FFF2-40B4-BE49-F238E27FC236}">
+                <a16:creationId xmlns:a16="http://schemas.microsoft.com/office/drawing/2014/main" id="{8C815E92-F374-9BF6-D2C6-568142C9D7C3}"/>
+              </a:ext>
+            </a:extLst>
+          </p:cNvPr>
+          <p:cNvSpPr>
+            <a:spLocks noGrp="1"/>
+          </p:cNvSpPr>
+          <p:nvPr>
+            <p:ph idx="1"/>
+          </p:nvPr>
+        </p:nvSpPr>
+        <p:spPr>
+          <a:xfrm>
+            <a:off x="1066800" y="1766165"/>
+            <a:ext cx="10058400" cy="4023360"/>
+          </a:xfrm>
+        </p:spPr>
+        <p:txBody>
+          <a:bodyPr/>
+          <a:lstStyle/>
+          <a:p>
+            <a:r>
+              <a:rPr lang="pt-BR" dirty="0"/>
+              <a:t>Os tipos diferentes de usuários devem estar dentro da estratégia de </a:t>
+            </a:r>
+            <a:r>
+              <a:rPr lang="pt-BR" i="1" dirty="0"/>
+              <a:t>Marketing </a:t>
+            </a:r>
+            <a:r>
+              <a:rPr lang="pt-BR" dirty="0"/>
+              <a:t>de Mídia Social.</a:t>
+            </a:r>
+          </a:p>
+          <a:p>
+            <a:r>
+              <a:rPr lang="pt-BR" dirty="0"/>
+              <a:t>Ao trabalhar com </a:t>
+            </a:r>
+            <a:r>
+              <a:rPr lang="pt-BR" i="1" dirty="0"/>
+              <a:t>Marketing </a:t>
+            </a:r>
+            <a:r>
+              <a:rPr lang="pt-BR" dirty="0"/>
+              <a:t>de Mídia Social (</a:t>
+            </a:r>
+            <a:r>
+              <a:rPr lang="pt-BR" i="1" dirty="0"/>
+              <a:t>Social Media Marketing - SMM</a:t>
+            </a:r>
+            <a:r>
+              <a:rPr lang="pt-BR" dirty="0"/>
+              <a:t>), você estará promovendo um </a:t>
+            </a:r>
+            <a:r>
+              <a:rPr lang="pt-BR" i="1" dirty="0"/>
+              <a:t>site</a:t>
+            </a:r>
+            <a:r>
+              <a:rPr lang="pt-BR" dirty="0"/>
+              <a:t>, um produto ou marca, para atrair clientes e visitantes.</a:t>
+            </a:r>
+          </a:p>
+          <a:p>
+            <a:r>
+              <a:rPr lang="pt-BR" dirty="0"/>
+              <a:t>Ações de Otimização de Mídia Social (</a:t>
+            </a:r>
+            <a:r>
+              <a:rPr lang="pt-BR" i="1" dirty="0"/>
+              <a:t>Social Media </a:t>
+            </a:r>
+            <a:r>
+              <a:rPr lang="pt-BR" i="1" dirty="0" err="1"/>
+              <a:t>Optimization</a:t>
+            </a:r>
+            <a:r>
+              <a:rPr lang="pt-BR" i="1" dirty="0"/>
+              <a:t> - SMO</a:t>
+            </a:r>
+            <a:r>
+              <a:rPr lang="pt-BR" dirty="0"/>
+              <a:t>) são ações SMM internas que melhora a otimização de um site, para que seu conteúdo sea facilmente divulgado pelo usuário e visitantes.</a:t>
+            </a:r>
+          </a:p>
+          <a:p>
+            <a:r>
+              <a:rPr lang="pt-BR" dirty="0"/>
+              <a:t>As ações SMM externas são praticadas foram de um site, nas redes sociais, onde são utilizadas técnicas para a criação e distribuição por intermédio de mídias sociais de forma viral, conhecida como </a:t>
+            </a:r>
+            <a:r>
+              <a:rPr lang="pt-BR" i="1" dirty="0"/>
+              <a:t>Word </a:t>
+            </a:r>
+            <a:r>
+              <a:rPr lang="pt-BR" i="1" dirty="0" err="1"/>
+              <a:t>of</a:t>
+            </a:r>
+            <a:r>
+              <a:rPr lang="pt-BR" i="1" dirty="0"/>
+              <a:t> </a:t>
+            </a:r>
+            <a:r>
+              <a:rPr lang="pt-BR" i="1" dirty="0" err="1"/>
+              <a:t>Mouth</a:t>
+            </a:r>
+            <a:r>
+              <a:rPr lang="pt-BR" i="1" dirty="0"/>
+              <a:t> Marketing (WOMM)</a:t>
+            </a:r>
+            <a:r>
+              <a:rPr lang="pt-BR" dirty="0"/>
+              <a:t>.</a:t>
+            </a:r>
+            <a:endParaRPr lang="pt-BR" i="1" dirty="0"/>
+          </a:p>
+          <a:p>
+            <a:endParaRPr lang="pt-BR" dirty="0"/>
+          </a:p>
+        </p:txBody>
+      </p:sp>
+    </p:spTree>
+    <p:extLst>
+      <p:ext uri="{BB962C8B-B14F-4D97-AF65-F5344CB8AC3E}">
+        <p14:creationId xmlns:p14="http://schemas.microsoft.com/office/powerpoint/2010/main" val="2910807986"/>
+      </p:ext>
+    </p:extLst>
+  </p:cSld>
+  <p:clrMapOvr>
+    <a:masterClrMapping/>
+  </p:clrMapOvr>
+</p:sld>
+</file>
+
+<file path=ppt/slides/slide14.xml><?xml version="1.0" encoding="utf-8"?>
+<p:sld xmlns:a="http://schemas.openxmlformats.org/drawingml/2006/main" xmlns:r="http://schemas.openxmlformats.org/officeDocument/2006/relationships" xmlns:p="http://schemas.openxmlformats.org/presentationml/2006/main">
+  <p:cSld>
+    <p:spTree>
+      <p:nvGrpSpPr>
+        <p:cNvPr id="1" name=""/>
+        <p:cNvGrpSpPr/>
+        <p:nvPr/>
+      </p:nvGrpSpPr>
+      <p:grpSpPr>
+        <a:xfrm>
+          <a:off x="0" y="0"/>
+          <a:ext cx="0" cy="0"/>
+          <a:chOff x="0" y="0"/>
+          <a:chExt cx="0" cy="0"/>
+        </a:xfrm>
+      </p:grpSpPr>
+      <p:sp>
+        <p:nvSpPr>
+          <p:cNvPr id="2" name="Título 1">
+            <a:extLst>
+              <a:ext uri="{FF2B5EF4-FFF2-40B4-BE49-F238E27FC236}">
+                <a16:creationId xmlns:a16="http://schemas.microsoft.com/office/drawing/2014/main" id="{737BC408-FEFF-436A-8D0E-F7F006298B4A}"/>
+              </a:ext>
+            </a:extLst>
+          </p:cNvPr>
+          <p:cNvSpPr>
+            <a:spLocks noGrp="1"/>
+          </p:cNvSpPr>
+          <p:nvPr>
+            <p:ph type="title"/>
+          </p:nvPr>
+        </p:nvSpPr>
+        <p:spPr/>
+        <p:txBody>
+          <a:bodyPr>
+            <a:normAutofit/>
+          </a:bodyPr>
+          <a:lstStyle/>
+          <a:p>
+            <a:r>
+              <a:rPr lang="pt-BR" sz="4000" dirty="0"/>
+              <a:t>FINALIZANDO</a:t>
+            </a:r>
+          </a:p>
+        </p:txBody>
+      </p:sp>
+      <p:sp>
+        <p:nvSpPr>
+          <p:cNvPr id="3" name="Espaço Reservado para Conteúdo 2">
+            <a:extLst>
+              <a:ext uri="{FF2B5EF4-FFF2-40B4-BE49-F238E27FC236}">
+                <a16:creationId xmlns:a16="http://schemas.microsoft.com/office/drawing/2014/main" id="{8C815E92-F374-9BF6-D2C6-568142C9D7C3}"/>
+              </a:ext>
+            </a:extLst>
+          </p:cNvPr>
+          <p:cNvSpPr>
+            <a:spLocks noGrp="1"/>
+          </p:cNvSpPr>
+          <p:nvPr>
+            <p:ph idx="1"/>
+          </p:nvPr>
+        </p:nvSpPr>
+        <p:spPr>
+          <a:xfrm>
+            <a:off x="1066800" y="1766165"/>
+            <a:ext cx="10058400" cy="4023360"/>
+          </a:xfrm>
+        </p:spPr>
+        <p:txBody>
+          <a:bodyPr/>
+          <a:lstStyle/>
+          <a:p>
+            <a:r>
+              <a:rPr lang="pt-BR" dirty="0"/>
+              <a:t>Não se esqueça:</a:t>
+            </a:r>
+          </a:p>
+          <a:p>
+            <a:pPr lvl="1"/>
+            <a:r>
+              <a:rPr lang="pt-BR" dirty="0"/>
+              <a:t>Leia a apostila – o conteúdo foi extraído de lá;</a:t>
+            </a:r>
+          </a:p>
+          <a:p>
+            <a:pPr lvl="1"/>
+            <a:r>
+              <a:rPr lang="pt-BR" dirty="0"/>
+              <a:t>Leia os artigos e as referências – auxiliarão no conhecimento;</a:t>
+            </a:r>
+          </a:p>
+          <a:p>
+            <a:pPr lvl="1"/>
+            <a:r>
+              <a:rPr lang="pt-BR" dirty="0"/>
+              <a:t>Qualquer dúvida, pergunte ao professor;</a:t>
+            </a:r>
+          </a:p>
+          <a:p>
+            <a:pPr marL="0" indent="0">
+              <a:buNone/>
+            </a:pPr>
+            <a:endParaRPr lang="pt-BR" dirty="0"/>
+          </a:p>
+        </p:txBody>
+      </p:sp>
+    </p:spTree>
+    <p:extLst>
+      <p:ext uri="{BB962C8B-B14F-4D97-AF65-F5344CB8AC3E}">
+        <p14:creationId xmlns:p14="http://schemas.microsoft.com/office/powerpoint/2010/main" val="3396540991"/>
+      </p:ext>
+    </p:extLst>
+  </p:cSld>
+  <p:clrMapOvr>
+    <a:masterClrMapping/>
+  </p:clrMapOvr>
+</p:sld>
+</file>
+
 <file path=ppt/slides/slide2.xml><?xml version="1.0" encoding="utf-8"?>
 <p:sld xmlns:a="http://schemas.openxmlformats.org/drawingml/2006/main" xmlns:r="http://schemas.openxmlformats.org/officeDocument/2006/relationships" xmlns:p="http://schemas.openxmlformats.org/presentationml/2006/main">
   <p:cSld>
